--- a/Case_Study_2_Rayon_Morris.pptx
+++ b/Case_Study_2_Rayon_Morris.pptx
@@ -5,7 +5,7 @@
     <p:sldMasterId id="2147483648" r:id="rId1"/>
   </p:sldMasterIdLst>
   <p:notesMasterIdLst>
-    <p:notesMasterId r:id="rId11"/>
+    <p:notesMasterId r:id="rId14"/>
   </p:notesMasterIdLst>
   <p:sldIdLst>
     <p:sldId id="258" r:id="rId2"/>
@@ -13,10 +13,13 @@
     <p:sldId id="260" r:id="rId4"/>
     <p:sldId id="261" r:id="rId5"/>
     <p:sldId id="267" r:id="rId6"/>
-    <p:sldId id="263" r:id="rId7"/>
-    <p:sldId id="264" r:id="rId8"/>
-    <p:sldId id="265" r:id="rId9"/>
-    <p:sldId id="266" r:id="rId10"/>
+    <p:sldId id="268" r:id="rId7"/>
+    <p:sldId id="263" r:id="rId8"/>
+    <p:sldId id="264" r:id="rId9"/>
+    <p:sldId id="265" r:id="rId10"/>
+    <p:sldId id="266" r:id="rId11"/>
+    <p:sldId id="270" r:id="rId12"/>
+    <p:sldId id="269" r:id="rId13"/>
   </p:sldIdLst>
   <p:sldSz cx="12192000" cy="6858000"/>
   <p:notesSz cx="6858000" cy="9144000"/>
@@ -126,7 +129,7 @@
 <file path=ppt/revisionInfo.xml><?xml version="1.0" encoding="utf-8"?>
 <p1510:revInfo xmlns:a="http://schemas.openxmlformats.org/drawingml/2006/main" xmlns:r="http://schemas.openxmlformats.org/officeDocument/2006/relationships" xmlns:p1510="http://schemas.microsoft.com/office/powerpoint/2015/10/main">
   <p1510:revLst>
-    <p1510:client id="{93D5584A-3119-4B9B-9BF6-C33F058EA040}" v="7" dt="2021-08-02T00:42:21.718"/>
+    <p1510:client id="{93D5584A-3119-4B9B-9BF6-C33F058EA040}" v="13" dt="2021-08-04T03:36:18.152"/>
   </p1510:revLst>
 </p1510:revInfo>
 </file>
@@ -135,8 +138,8 @@
 <pc:chgInfo xmlns:a="http://schemas.openxmlformats.org/drawingml/2006/main" xmlns:r="http://schemas.openxmlformats.org/officeDocument/2006/relationships" xmlns:ac="http://schemas.microsoft.com/office/drawing/2013/main/command" xmlns:pc="http://schemas.microsoft.com/office/powerpoint/2013/main/command">
   <pc:docChgLst>
     <pc:chgData name="Rayon Morris" userId="90bffcf7e663b05c" providerId="LiveId" clId="{93D5584A-3119-4B9B-9BF6-C33F058EA040}"/>
-    <pc:docChg chg="undo redo custSel addSld delSld modSld delMainMaster">
-      <pc:chgData name="Rayon Morris" userId="90bffcf7e663b05c" providerId="LiveId" clId="{93D5584A-3119-4B9B-9BF6-C33F058EA040}" dt="2021-08-03T04:17:42.303" v="1993" actId="20577"/>
+    <pc:docChg chg="undo redo custSel addSld delSld modSld sldOrd delMainMaster">
+      <pc:chgData name="Rayon Morris" userId="90bffcf7e663b05c" providerId="LiveId" clId="{93D5584A-3119-4B9B-9BF6-C33F058EA040}" dt="2021-08-04T03:52:38.784" v="2080" actId="1076"/>
       <pc:docMkLst>
         <pc:docMk/>
       </pc:docMkLst>
@@ -170,13 +173,13 @@
         </pc:spChg>
       </pc:sldChg>
       <pc:sldChg chg="modSp mod modNotesTx">
-        <pc:chgData name="Rayon Morris" userId="90bffcf7e663b05c" providerId="LiveId" clId="{93D5584A-3119-4B9B-9BF6-C33F058EA040}" dt="2021-08-03T00:32:59.144" v="1360" actId="20577"/>
+        <pc:chgData name="Rayon Morris" userId="90bffcf7e663b05c" providerId="LiveId" clId="{93D5584A-3119-4B9B-9BF6-C33F058EA040}" dt="2021-08-04T00:47:52.591" v="2004" actId="20577"/>
         <pc:sldMkLst>
           <pc:docMk/>
           <pc:sldMk cId="3084842338" sldId="260"/>
         </pc:sldMkLst>
         <pc:spChg chg="mod">
-          <ac:chgData name="Rayon Morris" userId="90bffcf7e663b05c" providerId="LiveId" clId="{93D5584A-3119-4B9B-9BF6-C33F058EA040}" dt="2021-08-03T00:32:59.144" v="1360" actId="20577"/>
+          <ac:chgData name="Rayon Morris" userId="90bffcf7e663b05c" providerId="LiveId" clId="{93D5584A-3119-4B9B-9BF6-C33F058EA040}" dt="2021-08-04T00:47:52.591" v="2004" actId="20577"/>
           <ac:spMkLst>
             <pc:docMk/>
             <pc:sldMk cId="3084842338" sldId="260"/>
@@ -262,14 +265,14 @@
           </ac:graphicFrameMkLst>
         </pc:graphicFrameChg>
       </pc:sldChg>
-      <pc:sldChg chg="modSp mod">
-        <pc:chgData name="Rayon Morris" userId="90bffcf7e663b05c" providerId="LiveId" clId="{93D5584A-3119-4B9B-9BF6-C33F058EA040}" dt="2021-08-03T04:11:49.144" v="1937" actId="20577"/>
+      <pc:sldChg chg="addSp delSp modSp mod ord">
+        <pc:chgData name="Rayon Morris" userId="90bffcf7e663b05c" providerId="LiveId" clId="{93D5584A-3119-4B9B-9BF6-C33F058EA040}" dt="2021-08-04T03:36:27.813" v="2079" actId="14100"/>
         <pc:sldMkLst>
           <pc:docMk/>
           <pc:sldMk cId="3309763459" sldId="263"/>
         </pc:sldMkLst>
         <pc:spChg chg="mod">
-          <ac:chgData name="Rayon Morris" userId="90bffcf7e663b05c" providerId="LiveId" clId="{93D5584A-3119-4B9B-9BF6-C33F058EA040}" dt="2021-08-02T03:35:40.015" v="378" actId="313"/>
+          <ac:chgData name="Rayon Morris" userId="90bffcf7e663b05c" providerId="LiveId" clId="{93D5584A-3119-4B9B-9BF6-C33F058EA040}" dt="2021-08-04T01:27:42.367" v="2021" actId="20577"/>
           <ac:spMkLst>
             <pc:docMk/>
             <pc:sldMk cId="3309763459" sldId="263"/>
@@ -277,16 +280,48 @@
           </ac:spMkLst>
         </pc:spChg>
         <pc:spChg chg="mod">
-          <ac:chgData name="Rayon Morris" userId="90bffcf7e663b05c" providerId="LiveId" clId="{93D5584A-3119-4B9B-9BF6-C33F058EA040}" dt="2021-08-03T04:11:49.144" v="1937" actId="20577"/>
+          <ac:chgData name="Rayon Morris" userId="90bffcf7e663b05c" providerId="LiveId" clId="{93D5584A-3119-4B9B-9BF6-C33F058EA040}" dt="2021-08-04T01:28:37.464" v="2044" actId="20577"/>
           <ac:spMkLst>
             <pc:docMk/>
             <pc:sldMk cId="3309763459" sldId="263"/>
             <ac:spMk id="3" creationId="{00000000-0000-0000-0000-000000000000}"/>
           </ac:spMkLst>
         </pc:spChg>
+        <pc:spChg chg="add del">
+          <ac:chgData name="Rayon Morris" userId="90bffcf7e663b05c" providerId="LiveId" clId="{93D5584A-3119-4B9B-9BF6-C33F058EA040}" dt="2021-08-04T03:36:12.831" v="2073"/>
+          <ac:spMkLst>
+            <pc:docMk/>
+            <pc:sldMk cId="3309763459" sldId="263"/>
+            <ac:spMk id="6" creationId="{17347244-EFB1-4F4C-B274-910CE5A6FEB0}"/>
+          </ac:spMkLst>
+        </pc:spChg>
+        <pc:spChg chg="add del">
+          <ac:chgData name="Rayon Morris" userId="90bffcf7e663b05c" providerId="LiveId" clId="{93D5584A-3119-4B9B-9BF6-C33F058EA040}" dt="2021-08-04T03:36:16.509" v="2075"/>
+          <ac:spMkLst>
+            <pc:docMk/>
+            <pc:sldMk cId="3309763459" sldId="263"/>
+            <ac:spMk id="7" creationId="{264C6553-CDFB-4D02-B6F9-5ED95297F4CF}"/>
+          </ac:spMkLst>
+        </pc:spChg>
+        <pc:picChg chg="add del mod">
+          <ac:chgData name="Rayon Morris" userId="90bffcf7e663b05c" providerId="LiveId" clId="{93D5584A-3119-4B9B-9BF6-C33F058EA040}" dt="2021-08-04T03:36:00.600" v="2071" actId="478"/>
+          <ac:picMkLst>
+            <pc:docMk/>
+            <pc:sldMk cId="3309763459" sldId="263"/>
+            <ac:picMk id="5" creationId="{C950481F-1EC3-4447-8F47-F932D5E475CB}"/>
+          </ac:picMkLst>
+        </pc:picChg>
+        <pc:picChg chg="add mod">
+          <ac:chgData name="Rayon Morris" userId="90bffcf7e663b05c" providerId="LiveId" clId="{93D5584A-3119-4B9B-9BF6-C33F058EA040}" dt="2021-08-04T03:36:27.813" v="2079" actId="14100"/>
+          <ac:picMkLst>
+            <pc:docMk/>
+            <pc:sldMk cId="3309763459" sldId="263"/>
+            <ac:picMk id="8" creationId="{C146E2B0-9499-4B5F-B644-1A6A720DD69E}"/>
+          </ac:picMkLst>
+        </pc:picChg>
       </pc:sldChg>
-      <pc:sldChg chg="modSp mod">
-        <pc:chgData name="Rayon Morris" userId="90bffcf7e663b05c" providerId="LiveId" clId="{93D5584A-3119-4B9B-9BF6-C33F058EA040}" dt="2021-08-03T01:23:54.851" v="1675" actId="20577"/>
+      <pc:sldChg chg="addSp delSp modSp mod">
+        <pc:chgData name="Rayon Morris" userId="90bffcf7e663b05c" providerId="LiveId" clId="{93D5584A-3119-4B9B-9BF6-C33F058EA040}" dt="2021-08-04T02:54:52.219" v="2070" actId="14100"/>
         <pc:sldMkLst>
           <pc:docMk/>
           <pc:sldMk cId="1891357672" sldId="264"/>
@@ -307,6 +342,22 @@
             <ac:spMk id="3" creationId="{00000000-0000-0000-0000-000000000000}"/>
           </ac:spMkLst>
         </pc:spChg>
+        <pc:picChg chg="add del mod">
+          <ac:chgData name="Rayon Morris" userId="90bffcf7e663b05c" providerId="LiveId" clId="{93D5584A-3119-4B9B-9BF6-C33F058EA040}" dt="2021-08-04T02:53:14.813" v="2062" actId="478"/>
+          <ac:picMkLst>
+            <pc:docMk/>
+            <pc:sldMk cId="1891357672" sldId="264"/>
+            <ac:picMk id="5" creationId="{0D5EFEA6-62CF-4185-ABEA-225A46CA2543}"/>
+          </ac:picMkLst>
+        </pc:picChg>
+        <pc:picChg chg="add mod">
+          <ac:chgData name="Rayon Morris" userId="90bffcf7e663b05c" providerId="LiveId" clId="{93D5584A-3119-4B9B-9BF6-C33F058EA040}" dt="2021-08-04T02:54:52.219" v="2070" actId="14100"/>
+          <ac:picMkLst>
+            <pc:docMk/>
+            <pc:sldMk cId="1891357672" sldId="264"/>
+            <ac:picMk id="7" creationId="{4FFA6149-0F62-41E0-B80B-D4C51989F0B4}"/>
+          </ac:picMkLst>
+        </pc:picChg>
       </pc:sldChg>
       <pc:sldChg chg="modSp mod">
         <pc:chgData name="Rayon Morris" userId="90bffcf7e663b05c" providerId="LiveId" clId="{93D5584A-3119-4B9B-9BF6-C33F058EA040}" dt="2021-08-03T01:56:46.611" v="1920" actId="20577"/>
@@ -332,7 +383,7 @@
         </pc:spChg>
       </pc:sldChg>
       <pc:sldChg chg="addSp delSp modSp add mod">
-        <pc:chgData name="Rayon Morris" userId="90bffcf7e663b05c" providerId="LiveId" clId="{93D5584A-3119-4B9B-9BF6-C33F058EA040}" dt="2021-08-02T03:18:08.384" v="264" actId="5793"/>
+        <pc:chgData name="Rayon Morris" userId="90bffcf7e663b05c" providerId="LiveId" clId="{93D5584A-3119-4B9B-9BF6-C33F058EA040}" dt="2021-08-04T03:52:38.784" v="2080" actId="1076"/>
         <pc:sldMkLst>
           <pc:docMk/>
           <pc:sldMk cId="2337076945" sldId="267"/>
@@ -362,13 +413,21 @@
           </ac:spMkLst>
         </pc:spChg>
         <pc:graphicFrameChg chg="add mod modGraphic">
-          <ac:chgData name="Rayon Morris" userId="90bffcf7e663b05c" providerId="LiveId" clId="{93D5584A-3119-4B9B-9BF6-C33F058EA040}" dt="2021-08-01T23:44:18.148" v="247" actId="122"/>
+          <ac:chgData name="Rayon Morris" userId="90bffcf7e663b05c" providerId="LiveId" clId="{93D5584A-3119-4B9B-9BF6-C33F058EA040}" dt="2021-08-04T03:52:38.784" v="2080" actId="1076"/>
           <ac:graphicFrameMkLst>
             <pc:docMk/>
             <pc:sldMk cId="2337076945" sldId="267"/>
             <ac:graphicFrameMk id="6" creationId="{839CC0F0-1412-4ACB-B563-C363B17A1CDF}"/>
           </ac:graphicFrameMkLst>
         </pc:graphicFrameChg>
+        <pc:picChg chg="add mod">
+          <ac:chgData name="Rayon Morris" userId="90bffcf7e663b05c" providerId="LiveId" clId="{93D5584A-3119-4B9B-9BF6-C33F058EA040}" dt="2021-08-04T01:12:42.548" v="2012" actId="1076"/>
+          <ac:picMkLst>
+            <pc:docMk/>
+            <pc:sldMk cId="2337076945" sldId="267"/>
+            <ac:picMk id="4" creationId="{2C4F1EFB-54B1-4971-AF72-C8DFB15695D7}"/>
+          </ac:picMkLst>
+        </pc:picChg>
         <pc:picChg chg="add del mod">
           <ac:chgData name="Rayon Morris" userId="90bffcf7e663b05c" providerId="LiveId" clId="{93D5584A-3119-4B9B-9BF6-C33F058EA040}" dt="2021-08-02T00:31:36.027" v="253" actId="478"/>
           <ac:picMkLst>
@@ -394,11 +453,32 @@
           </ac:picMkLst>
         </pc:picChg>
       </pc:sldChg>
+      <pc:sldChg chg="add">
+        <pc:chgData name="Rayon Morris" userId="90bffcf7e663b05c" providerId="LiveId" clId="{93D5584A-3119-4B9B-9BF6-C33F058EA040}" dt="2021-08-04T01:27:35.553" v="2013" actId="2890"/>
+        <pc:sldMkLst>
+          <pc:docMk/>
+          <pc:sldMk cId="1827478780" sldId="268"/>
+        </pc:sldMkLst>
+      </pc:sldChg>
       <pc:sldChg chg="new add del">
         <pc:chgData name="Rayon Morris" userId="90bffcf7e663b05c" providerId="LiveId" clId="{93D5584A-3119-4B9B-9BF6-C33F058EA040}" dt="2021-08-03T00:22:54.153" v="673" actId="680"/>
         <pc:sldMkLst>
           <pc:docMk/>
           <pc:sldMk cId="3738052844" sldId="268"/>
+        </pc:sldMkLst>
+      </pc:sldChg>
+      <pc:sldChg chg="add">
+        <pc:chgData name="Rayon Morris" userId="90bffcf7e663b05c" providerId="LiveId" clId="{93D5584A-3119-4B9B-9BF6-C33F058EA040}" dt="2021-08-04T02:36:24.234" v="2055" actId="2890"/>
+        <pc:sldMkLst>
+          <pc:docMk/>
+          <pc:sldMk cId="4104643404" sldId="269"/>
+        </pc:sldMkLst>
+      </pc:sldChg>
+      <pc:sldChg chg="add">
+        <pc:chgData name="Rayon Morris" userId="90bffcf7e663b05c" providerId="LiveId" clId="{93D5584A-3119-4B9B-9BF6-C33F058EA040}" dt="2021-08-04T02:36:26.806" v="2056" actId="2890"/>
+        <pc:sldMkLst>
+          <pc:docMk/>
+          <pc:sldMk cId="1648396024" sldId="270"/>
         </pc:sldMkLst>
       </pc:sldChg>
       <pc:sldMasterChg chg="del delSldLayout">
@@ -503,7 +583,7 @@
           <a:p>
             <a:fld id="{A5C20BB3-3CCB-4FE5-991B-82F6BCB48AF3}" type="datetimeFigureOut">
               <a:rPr lang="en-US" smtClean="0"/>
-              <a:t>8/2/2021</a:t>
+              <a:t>8/3/2021</a:t>
             </a:fld>
             <a:endParaRPr lang="en-US"/>
           </a:p>
@@ -941,6 +1021,90 @@
 </p:notes>
 </file>
 
+<file path=ppt/notesSlides/notesSlide3.xml><?xml version="1.0" encoding="utf-8"?>
+<p:notes xmlns:a="http://schemas.openxmlformats.org/drawingml/2006/main" xmlns:r="http://schemas.openxmlformats.org/officeDocument/2006/relationships" xmlns:p="http://schemas.openxmlformats.org/presentationml/2006/main">
+  <p:cSld>
+    <p:spTree>
+      <p:nvGrpSpPr>
+        <p:cNvPr id="1" name=""/>
+        <p:cNvGrpSpPr/>
+        <p:nvPr/>
+      </p:nvGrpSpPr>
+      <p:grpSpPr>
+        <a:xfrm>
+          <a:off x="0" y="0"/>
+          <a:ext cx="0" cy="0"/>
+          <a:chOff x="0" y="0"/>
+          <a:chExt cx="0" cy="0"/>
+        </a:xfrm>
+      </p:grpSpPr>
+      <p:sp>
+        <p:nvSpPr>
+          <p:cNvPr id="2" name="Slide Image Placeholder 1"/>
+          <p:cNvSpPr>
+            <a:spLocks noGrp="1" noRot="1" noChangeAspect="1"/>
+          </p:cNvSpPr>
+          <p:nvPr>
+            <p:ph type="sldImg"/>
+          </p:nvPr>
+        </p:nvSpPr>
+        <p:spPr/>
+      </p:sp>
+      <p:sp>
+        <p:nvSpPr>
+          <p:cNvPr id="3" name="Notes Placeholder 2"/>
+          <p:cNvSpPr>
+            <a:spLocks noGrp="1"/>
+          </p:cNvSpPr>
+          <p:nvPr>
+            <p:ph type="body" idx="1"/>
+          </p:nvPr>
+        </p:nvSpPr>
+        <p:spPr/>
+        <p:txBody>
+          <a:bodyPr/>
+          <a:lstStyle/>
+          <a:p>
+            <a:endParaRPr lang="en-US" dirty="0"/>
+          </a:p>
+        </p:txBody>
+      </p:sp>
+      <p:sp>
+        <p:nvSpPr>
+          <p:cNvPr id="4" name="Slide Number Placeholder 3"/>
+          <p:cNvSpPr>
+            <a:spLocks noGrp="1"/>
+          </p:cNvSpPr>
+          <p:nvPr>
+            <p:ph type="sldNum" sz="quarter" idx="5"/>
+          </p:nvPr>
+        </p:nvSpPr>
+        <p:spPr/>
+        <p:txBody>
+          <a:bodyPr/>
+          <a:lstStyle/>
+          <a:p>
+            <a:fld id="{E0746DE6-3336-457D-A091-FA20AC1C536E}" type="slidenum">
+              <a:rPr lang="en-US" smtClean="0"/>
+              <a:t>7</a:t>
+            </a:fld>
+            <a:endParaRPr lang="en-US"/>
+          </a:p>
+        </p:txBody>
+      </p:sp>
+    </p:spTree>
+    <p:extLst>
+      <p:ext uri="{BB962C8B-B14F-4D97-AF65-F5344CB8AC3E}">
+        <p14:creationId xmlns:p14="http://schemas.microsoft.com/office/powerpoint/2010/main" val="54457094"/>
+      </p:ext>
+    </p:extLst>
+  </p:cSld>
+  <p:clrMapOvr>
+    <a:masterClrMapping/>
+  </p:clrMapOvr>
+</p:notes>
+</file>
+
 <file path=ppt/slideLayouts/slideLayout1.xml><?xml version="1.0" encoding="utf-8"?>
 <p:sldLayout xmlns:a="http://schemas.openxmlformats.org/drawingml/2006/main" xmlns:r="http://schemas.openxmlformats.org/officeDocument/2006/relationships" xmlns:p="http://schemas.openxmlformats.org/presentationml/2006/main" type="title" preserve="1">
   <p:cSld name="Title Slide">
@@ -1080,7 +1244,7 @@
           <a:p>
             <a:fld id="{48A87A34-81AB-432B-8DAE-1953F412C126}" type="datetimeFigureOut">
               <a:rPr lang="en-US" dirty="0"/>
-              <a:t>8/2/2021</a:t>
+              <a:t>8/3/2021</a:t>
             </a:fld>
             <a:endParaRPr lang="en-US" dirty="0"/>
           </a:p>
@@ -1291,7 +1455,7 @@
           <a:p>
             <a:fld id="{48A87A34-81AB-432B-8DAE-1953F412C126}" type="datetimeFigureOut">
               <a:rPr lang="en-US" dirty="0"/>
-              <a:t>8/2/2021</a:t>
+              <a:t>8/3/2021</a:t>
             </a:fld>
             <a:endParaRPr lang="en-US" dirty="0"/>
           </a:p>
@@ -1506,7 +1670,7 @@
           <a:p>
             <a:fld id="{48A87A34-81AB-432B-8DAE-1953F412C126}" type="datetimeFigureOut">
               <a:rPr lang="en-US" dirty="0"/>
-              <a:t>8/2/2021</a:t>
+              <a:t>8/3/2021</a:t>
             </a:fld>
             <a:endParaRPr lang="en-US" dirty="0"/>
           </a:p>
@@ -1707,7 +1871,7 @@
           <a:p>
             <a:fld id="{48A87A34-81AB-432B-8DAE-1953F412C126}" type="datetimeFigureOut">
               <a:rPr lang="en-US" dirty="0"/>
-              <a:t>8/2/2021</a:t>
+              <a:t>8/3/2021</a:t>
             </a:fld>
             <a:endParaRPr lang="en-US" dirty="0"/>
           </a:p>
@@ -1986,7 +2150,7 @@
           <a:p>
             <a:fld id="{48A87A34-81AB-432B-8DAE-1953F412C126}" type="datetimeFigureOut">
               <a:rPr lang="en-US" dirty="0"/>
-              <a:t>8/2/2021</a:t>
+              <a:t>8/3/2021</a:t>
             </a:fld>
             <a:endParaRPr lang="en-US" dirty="0"/>
           </a:p>
@@ -2254,7 +2418,7 @@
           <a:p>
             <a:fld id="{48A87A34-81AB-432B-8DAE-1953F412C126}" type="datetimeFigureOut">
               <a:rPr lang="en-US" dirty="0"/>
-              <a:t>8/2/2021</a:t>
+              <a:t>8/3/2021</a:t>
             </a:fld>
             <a:endParaRPr lang="en-US" dirty="0"/>
           </a:p>
@@ -2670,7 +2834,7 @@
           <a:p>
             <a:fld id="{48A87A34-81AB-432B-8DAE-1953F412C126}" type="datetimeFigureOut">
               <a:rPr lang="en-US" dirty="0"/>
-              <a:t>8/2/2021</a:t>
+              <a:t>8/3/2021</a:t>
             </a:fld>
             <a:endParaRPr lang="en-US" dirty="0"/>
           </a:p>
@@ -2819,7 +2983,7 @@
           <a:p>
             <a:fld id="{48A87A34-81AB-432B-8DAE-1953F412C126}" type="datetimeFigureOut">
               <a:rPr lang="en-US" dirty="0"/>
-              <a:t>8/2/2021</a:t>
+              <a:t>8/3/2021</a:t>
             </a:fld>
             <a:endParaRPr lang="en-US" dirty="0"/>
           </a:p>
@@ -2945,7 +3109,7 @@
           <a:p>
             <a:fld id="{48A87A34-81AB-432B-8DAE-1953F412C126}" type="datetimeFigureOut">
               <a:rPr lang="en-US" dirty="0"/>
-              <a:t>8/2/2021</a:t>
+              <a:t>8/3/2021</a:t>
             </a:fld>
             <a:endParaRPr lang="en-US" dirty="0"/>
           </a:p>
@@ -3196,7 +3360,7 @@
           <a:p>
             <a:fld id="{48A87A34-81AB-432B-8DAE-1953F412C126}" type="datetimeFigureOut">
               <a:rPr lang="en-US" dirty="0"/>
-              <a:t>8/2/2021</a:t>
+              <a:t>8/3/2021</a:t>
             </a:fld>
             <a:endParaRPr lang="en-US" dirty="0"/>
           </a:p>
@@ -3642,7 +3806,7 @@
             <a:fld id="{48A87A34-81AB-432B-8DAE-1953F412C126}" type="datetimeFigureOut">
               <a:rPr lang="en-US" dirty="0"/>
               <a:pPr/>
-              <a:t>8/2/2021</a:t>
+              <a:t>8/3/2021</a:t>
             </a:fld>
             <a:endParaRPr lang="en-US" dirty="0"/>
           </a:p>
@@ -3970,7 +4134,7 @@
             <a:fld id="{48A87A34-81AB-432B-8DAE-1953F412C126}" type="datetimeFigureOut">
               <a:rPr lang="en-US" dirty="0"/>
               <a:pPr/>
-              <a:t>8/2/2021</a:t>
+              <a:t>8/3/2021</a:t>
             </a:fld>
             <a:endParaRPr lang="en-US" dirty="0"/>
           </a:p>
@@ -4843,6 +5007,705 @@
 </p:sld>
 </file>
 
+<file path=ppt/slides/slide10.xml><?xml version="1.0" encoding="utf-8"?>
+<p:sld xmlns:a="http://schemas.openxmlformats.org/drawingml/2006/main" xmlns:r="http://schemas.openxmlformats.org/officeDocument/2006/relationships" xmlns:p="http://schemas.openxmlformats.org/presentationml/2006/main">
+  <p:cSld>
+    <p:bg>
+      <p:bgPr>
+        <a:gradFill rotWithShape="1">
+          <a:gsLst>
+            <a:gs pos="0">
+              <a:schemeClr val="bg2">
+                <a:tint val="94000"/>
+                <a:satMod val="80000"/>
+                <a:lumMod val="106000"/>
+              </a:schemeClr>
+            </a:gs>
+            <a:gs pos="100000">
+              <a:schemeClr val="bg2">
+                <a:shade val="80000"/>
+              </a:schemeClr>
+            </a:gs>
+          </a:gsLst>
+          <a:path path="circle">
+            <a:fillToRect l="50000" t="50000" r="50000" b="50000"/>
+          </a:path>
+        </a:gradFill>
+        <a:effectLst/>
+      </p:bgPr>
+    </p:bg>
+    <p:spTree>
+      <p:nvGrpSpPr>
+        <p:cNvPr id="1" name=""/>
+        <p:cNvGrpSpPr/>
+        <p:nvPr/>
+      </p:nvGrpSpPr>
+      <p:grpSpPr>
+        <a:xfrm>
+          <a:off x="0" y="0"/>
+          <a:ext cx="0" cy="0"/>
+          <a:chOff x="0" y="0"/>
+          <a:chExt cx="0" cy="0"/>
+        </a:xfrm>
+      </p:grpSpPr>
+      <p:sp useBgFill="1">
+        <p:nvSpPr>
+          <p:cNvPr id="9" name="Rectangle 8">
+            <a:extLst>
+              <a:ext uri="{FF2B5EF4-FFF2-40B4-BE49-F238E27FC236}">
+                <a16:creationId xmlns:a16="http://schemas.microsoft.com/office/drawing/2014/main" id="{F63C748C-967B-4A7B-A90F-3EDD0F485AC6}"/>
+              </a:ext>
+              <a:ext uri="{C183D7F6-B498-43B3-948B-1728B52AA6E4}">
+                <adec:decorative xmlns:adec="http://schemas.microsoft.com/office/drawing/2017/decorative" val="1"/>
+              </a:ext>
+            </a:extLst>
+          </p:cNvPr>
+          <p:cNvSpPr>
+            <a:spLocks noGrp="1" noRot="1" noChangeAspect="1" noMove="1" noResize="1" noEditPoints="1" noAdjustHandles="1" noChangeArrowheads="1" noChangeShapeType="1" noTextEdit="1"/>
+          </p:cNvSpPr>
+          <p:nvPr>
+            <p:extLst>
+              <p:ext uri="{386F3935-93C4-4BCD-93E2-E3B085C9AB24}">
+                <p16:designElem xmlns:p16="http://schemas.microsoft.com/office/powerpoint/2015/main" val="1"/>
+              </p:ext>
+            </p:extLst>
+          </p:nvPr>
+        </p:nvSpPr>
+        <p:spPr>
+          <a:xfrm>
+            <a:off x="303" y="0"/>
+            <a:ext cx="12191695" cy="6858000"/>
+          </a:xfrm>
+          <a:prstGeom prst="rect">
+            <a:avLst/>
+          </a:prstGeom>
+          <a:ln>
+            <a:noFill/>
+          </a:ln>
+        </p:spPr>
+        <p:style>
+          <a:lnRef idx="2">
+            <a:schemeClr val="accent1">
+              <a:shade val="50000"/>
+            </a:schemeClr>
+          </a:lnRef>
+          <a:fillRef idx="1">
+            <a:schemeClr val="accent1"/>
+          </a:fillRef>
+          <a:effectRef idx="0">
+            <a:schemeClr val="accent1"/>
+          </a:effectRef>
+          <a:fontRef idx="minor">
+            <a:schemeClr val="lt1"/>
+          </a:fontRef>
+        </p:style>
+        <p:txBody>
+          <a:bodyPr rtlCol="0" anchor="ctr"/>
+          <a:lstStyle/>
+          <a:p>
+            <a:pPr algn="ctr"/>
+            <a:endParaRPr lang="en-US"/>
+          </a:p>
+        </p:txBody>
+      </p:sp>
+      <p:sp>
+        <p:nvSpPr>
+          <p:cNvPr id="11" name="Rectangle 10">
+            <a:extLst>
+              <a:ext uri="{FF2B5EF4-FFF2-40B4-BE49-F238E27FC236}">
+                <a16:creationId xmlns:a16="http://schemas.microsoft.com/office/drawing/2014/main" id="{C0143637-4934-44E4-B909-BAF1E7B27972}"/>
+              </a:ext>
+              <a:ext uri="{C183D7F6-B498-43B3-948B-1728B52AA6E4}">
+                <adec:decorative xmlns:adec="http://schemas.microsoft.com/office/drawing/2017/decorative" val="1"/>
+              </a:ext>
+            </a:extLst>
+          </p:cNvPr>
+          <p:cNvSpPr>
+            <a:spLocks noGrp="1" noRot="1" noChangeAspect="1" noMove="1" noResize="1" noEditPoints="1" noAdjustHandles="1" noChangeArrowheads="1" noChangeShapeType="1" noTextEdit="1"/>
+          </p:cNvSpPr>
+          <p:nvPr>
+            <p:extLst>
+              <p:ext uri="{386F3935-93C4-4BCD-93E2-E3B085C9AB24}">
+                <p16:designElem xmlns:p16="http://schemas.microsoft.com/office/powerpoint/2015/main" val="1"/>
+              </p:ext>
+            </p:extLst>
+          </p:nvPr>
+        </p:nvSpPr>
+        <p:spPr>
+          <a:xfrm>
+            <a:off x="0" y="-2"/>
+            <a:ext cx="4062127" cy="6858002"/>
+          </a:xfrm>
+          <a:prstGeom prst="rect">
+            <a:avLst/>
+          </a:prstGeom>
+          <a:ln>
+            <a:noFill/>
+          </a:ln>
+        </p:spPr>
+        <p:style>
+          <a:lnRef idx="2">
+            <a:schemeClr val="accent1">
+              <a:shade val="50000"/>
+            </a:schemeClr>
+          </a:lnRef>
+          <a:fillRef idx="1">
+            <a:schemeClr val="accent1"/>
+          </a:fillRef>
+          <a:effectRef idx="0">
+            <a:schemeClr val="accent1"/>
+          </a:effectRef>
+          <a:fontRef idx="minor">
+            <a:schemeClr val="lt1"/>
+          </a:fontRef>
+        </p:style>
+        <p:txBody>
+          <a:bodyPr rtlCol="0" anchor="ctr"/>
+          <a:lstStyle/>
+          <a:p>
+            <a:pPr algn="ctr"/>
+            <a:endParaRPr lang="en-US"/>
+          </a:p>
+        </p:txBody>
+      </p:sp>
+      <p:sp>
+        <p:nvSpPr>
+          <p:cNvPr id="2" name="Title 1"/>
+          <p:cNvSpPr>
+            <a:spLocks noGrp="1"/>
+          </p:cNvSpPr>
+          <p:nvPr>
+            <p:ph type="title"/>
+          </p:nvPr>
+        </p:nvSpPr>
+        <p:spPr>
+          <a:xfrm>
+            <a:off x="849683" y="1240076"/>
+            <a:ext cx="2727813" cy="4584527"/>
+          </a:xfrm>
+        </p:spPr>
+        <p:txBody>
+          <a:bodyPr>
+            <a:normAutofit/>
+          </a:bodyPr>
+          <a:lstStyle/>
+          <a:p>
+            <a:r>
+              <a:rPr lang="en-US">
+                <a:solidFill>
+                  <a:srgbClr val="FFFFFF"/>
+                </a:solidFill>
+              </a:rPr>
+              <a:t>Works cited</a:t>
+            </a:r>
+          </a:p>
+        </p:txBody>
+      </p:sp>
+      <p:sp>
+        <p:nvSpPr>
+          <p:cNvPr id="3" name="Content Placeholder 2"/>
+          <p:cNvSpPr>
+            <a:spLocks noGrp="1"/>
+          </p:cNvSpPr>
+          <p:nvPr>
+            <p:ph type="body" idx="1"/>
+          </p:nvPr>
+        </p:nvSpPr>
+        <p:spPr>
+          <a:xfrm>
+            <a:off x="4705594" y="1240077"/>
+            <a:ext cx="6034827" cy="4916465"/>
+          </a:xfrm>
+        </p:spPr>
+        <p:txBody>
+          <a:bodyPr anchor="t">
+            <a:normAutofit/>
+          </a:bodyPr>
+          <a:lstStyle/>
+          <a:p>
+            <a:endParaRPr/>
+          </a:p>
+        </p:txBody>
+      </p:sp>
+    </p:spTree>
+    <p:extLst>
+      <p:ext uri="{BB962C8B-B14F-4D97-AF65-F5344CB8AC3E}">
+        <p14:creationId xmlns:p14="http://schemas.microsoft.com/office/powerpoint/2010/main" val="485010810"/>
+      </p:ext>
+    </p:extLst>
+  </p:cSld>
+  <p:clrMapOvr>
+    <a:masterClrMapping/>
+  </p:clrMapOvr>
+</p:sld>
+</file>
+
+<file path=ppt/slides/slide11.xml><?xml version="1.0" encoding="utf-8"?>
+<p:sld xmlns:a="http://schemas.openxmlformats.org/drawingml/2006/main" xmlns:r="http://schemas.openxmlformats.org/officeDocument/2006/relationships" xmlns:p="http://schemas.openxmlformats.org/presentationml/2006/main">
+  <p:cSld>
+    <p:bg>
+      <p:bgPr>
+        <a:gradFill rotWithShape="1">
+          <a:gsLst>
+            <a:gs pos="0">
+              <a:schemeClr val="bg2">
+                <a:tint val="94000"/>
+                <a:satMod val="80000"/>
+                <a:lumMod val="106000"/>
+              </a:schemeClr>
+            </a:gs>
+            <a:gs pos="100000">
+              <a:schemeClr val="bg2">
+                <a:shade val="80000"/>
+              </a:schemeClr>
+            </a:gs>
+          </a:gsLst>
+          <a:path path="circle">
+            <a:fillToRect l="50000" t="50000" r="50000" b="50000"/>
+          </a:path>
+        </a:gradFill>
+        <a:effectLst/>
+      </p:bgPr>
+    </p:bg>
+    <p:spTree>
+      <p:nvGrpSpPr>
+        <p:cNvPr id="1" name=""/>
+        <p:cNvGrpSpPr/>
+        <p:nvPr/>
+      </p:nvGrpSpPr>
+      <p:grpSpPr>
+        <a:xfrm>
+          <a:off x="0" y="0"/>
+          <a:ext cx="0" cy="0"/>
+          <a:chOff x="0" y="0"/>
+          <a:chExt cx="0" cy="0"/>
+        </a:xfrm>
+      </p:grpSpPr>
+      <p:sp useBgFill="1">
+        <p:nvSpPr>
+          <p:cNvPr id="9" name="Rectangle 8">
+            <a:extLst>
+              <a:ext uri="{FF2B5EF4-FFF2-40B4-BE49-F238E27FC236}">
+                <a16:creationId xmlns:a16="http://schemas.microsoft.com/office/drawing/2014/main" id="{F63C748C-967B-4A7B-A90F-3EDD0F485AC6}"/>
+              </a:ext>
+              <a:ext uri="{C183D7F6-B498-43B3-948B-1728B52AA6E4}">
+                <adec:decorative xmlns:adec="http://schemas.microsoft.com/office/drawing/2017/decorative" val="1"/>
+              </a:ext>
+            </a:extLst>
+          </p:cNvPr>
+          <p:cNvSpPr>
+            <a:spLocks noGrp="1" noRot="1" noChangeAspect="1" noMove="1" noResize="1" noEditPoints="1" noAdjustHandles="1" noChangeArrowheads="1" noChangeShapeType="1" noTextEdit="1"/>
+          </p:cNvSpPr>
+          <p:nvPr>
+            <p:extLst>
+              <p:ext uri="{386F3935-93C4-4BCD-93E2-E3B085C9AB24}">
+                <p16:designElem xmlns:p16="http://schemas.microsoft.com/office/powerpoint/2015/main" val="1"/>
+              </p:ext>
+            </p:extLst>
+          </p:nvPr>
+        </p:nvSpPr>
+        <p:spPr>
+          <a:xfrm>
+            <a:off x="303" y="0"/>
+            <a:ext cx="12191695" cy="6858000"/>
+          </a:xfrm>
+          <a:prstGeom prst="rect">
+            <a:avLst/>
+          </a:prstGeom>
+          <a:ln>
+            <a:noFill/>
+          </a:ln>
+        </p:spPr>
+        <p:style>
+          <a:lnRef idx="2">
+            <a:schemeClr val="accent1">
+              <a:shade val="50000"/>
+            </a:schemeClr>
+          </a:lnRef>
+          <a:fillRef idx="1">
+            <a:schemeClr val="accent1"/>
+          </a:fillRef>
+          <a:effectRef idx="0">
+            <a:schemeClr val="accent1"/>
+          </a:effectRef>
+          <a:fontRef idx="minor">
+            <a:schemeClr val="lt1"/>
+          </a:fontRef>
+        </p:style>
+        <p:txBody>
+          <a:bodyPr rtlCol="0" anchor="ctr"/>
+          <a:lstStyle/>
+          <a:p>
+            <a:pPr algn="ctr"/>
+            <a:endParaRPr lang="en-US"/>
+          </a:p>
+        </p:txBody>
+      </p:sp>
+      <p:sp>
+        <p:nvSpPr>
+          <p:cNvPr id="11" name="Rectangle 10">
+            <a:extLst>
+              <a:ext uri="{FF2B5EF4-FFF2-40B4-BE49-F238E27FC236}">
+                <a16:creationId xmlns:a16="http://schemas.microsoft.com/office/drawing/2014/main" id="{C0143637-4934-44E4-B909-BAF1E7B27972}"/>
+              </a:ext>
+              <a:ext uri="{C183D7F6-B498-43B3-948B-1728B52AA6E4}">
+                <adec:decorative xmlns:adec="http://schemas.microsoft.com/office/drawing/2017/decorative" val="1"/>
+              </a:ext>
+            </a:extLst>
+          </p:cNvPr>
+          <p:cNvSpPr>
+            <a:spLocks noGrp="1" noRot="1" noChangeAspect="1" noMove="1" noResize="1" noEditPoints="1" noAdjustHandles="1" noChangeArrowheads="1" noChangeShapeType="1" noTextEdit="1"/>
+          </p:cNvSpPr>
+          <p:nvPr>
+            <p:extLst>
+              <p:ext uri="{386F3935-93C4-4BCD-93E2-E3B085C9AB24}">
+                <p16:designElem xmlns:p16="http://schemas.microsoft.com/office/powerpoint/2015/main" val="1"/>
+              </p:ext>
+            </p:extLst>
+          </p:nvPr>
+        </p:nvSpPr>
+        <p:spPr>
+          <a:xfrm>
+            <a:off x="0" y="-2"/>
+            <a:ext cx="4062127" cy="6858002"/>
+          </a:xfrm>
+          <a:prstGeom prst="rect">
+            <a:avLst/>
+          </a:prstGeom>
+          <a:ln>
+            <a:noFill/>
+          </a:ln>
+        </p:spPr>
+        <p:style>
+          <a:lnRef idx="2">
+            <a:schemeClr val="accent1">
+              <a:shade val="50000"/>
+            </a:schemeClr>
+          </a:lnRef>
+          <a:fillRef idx="1">
+            <a:schemeClr val="accent1"/>
+          </a:fillRef>
+          <a:effectRef idx="0">
+            <a:schemeClr val="accent1"/>
+          </a:effectRef>
+          <a:fontRef idx="minor">
+            <a:schemeClr val="lt1"/>
+          </a:fontRef>
+        </p:style>
+        <p:txBody>
+          <a:bodyPr rtlCol="0" anchor="ctr"/>
+          <a:lstStyle/>
+          <a:p>
+            <a:pPr algn="ctr"/>
+            <a:endParaRPr lang="en-US"/>
+          </a:p>
+        </p:txBody>
+      </p:sp>
+      <p:sp>
+        <p:nvSpPr>
+          <p:cNvPr id="2" name="Title 1"/>
+          <p:cNvSpPr>
+            <a:spLocks noGrp="1"/>
+          </p:cNvSpPr>
+          <p:nvPr>
+            <p:ph type="title"/>
+          </p:nvPr>
+        </p:nvSpPr>
+        <p:spPr>
+          <a:xfrm>
+            <a:off x="849683" y="1240076"/>
+            <a:ext cx="2727813" cy="4584527"/>
+          </a:xfrm>
+        </p:spPr>
+        <p:txBody>
+          <a:bodyPr>
+            <a:normAutofit/>
+          </a:bodyPr>
+          <a:lstStyle/>
+          <a:p>
+            <a:r>
+              <a:rPr lang="en-US">
+                <a:solidFill>
+                  <a:srgbClr val="FFFFFF"/>
+                </a:solidFill>
+              </a:rPr>
+              <a:t>Works cited</a:t>
+            </a:r>
+          </a:p>
+        </p:txBody>
+      </p:sp>
+      <p:sp>
+        <p:nvSpPr>
+          <p:cNvPr id="3" name="Content Placeholder 2"/>
+          <p:cNvSpPr>
+            <a:spLocks noGrp="1"/>
+          </p:cNvSpPr>
+          <p:nvPr>
+            <p:ph type="body" idx="1"/>
+          </p:nvPr>
+        </p:nvSpPr>
+        <p:spPr>
+          <a:xfrm>
+            <a:off x="4705594" y="1240077"/>
+            <a:ext cx="6034827" cy="4916465"/>
+          </a:xfrm>
+        </p:spPr>
+        <p:txBody>
+          <a:bodyPr anchor="t">
+            <a:normAutofit/>
+          </a:bodyPr>
+          <a:lstStyle/>
+          <a:p>
+            <a:endParaRPr/>
+          </a:p>
+        </p:txBody>
+      </p:sp>
+    </p:spTree>
+    <p:extLst>
+      <p:ext uri="{BB962C8B-B14F-4D97-AF65-F5344CB8AC3E}">
+        <p14:creationId xmlns:p14="http://schemas.microsoft.com/office/powerpoint/2010/main" val="1648396024"/>
+      </p:ext>
+    </p:extLst>
+  </p:cSld>
+  <p:clrMapOvr>
+    <a:masterClrMapping/>
+  </p:clrMapOvr>
+</p:sld>
+</file>
+
+<file path=ppt/slides/slide12.xml><?xml version="1.0" encoding="utf-8"?>
+<p:sld xmlns:a="http://schemas.openxmlformats.org/drawingml/2006/main" xmlns:r="http://schemas.openxmlformats.org/officeDocument/2006/relationships" xmlns:p="http://schemas.openxmlformats.org/presentationml/2006/main">
+  <p:cSld>
+    <p:bg>
+      <p:bgPr>
+        <a:gradFill rotWithShape="1">
+          <a:gsLst>
+            <a:gs pos="0">
+              <a:schemeClr val="bg2">
+                <a:tint val="94000"/>
+                <a:satMod val="80000"/>
+                <a:lumMod val="106000"/>
+              </a:schemeClr>
+            </a:gs>
+            <a:gs pos="100000">
+              <a:schemeClr val="bg2">
+                <a:shade val="80000"/>
+              </a:schemeClr>
+            </a:gs>
+          </a:gsLst>
+          <a:path path="circle">
+            <a:fillToRect l="50000" t="50000" r="50000" b="50000"/>
+          </a:path>
+        </a:gradFill>
+        <a:effectLst/>
+      </p:bgPr>
+    </p:bg>
+    <p:spTree>
+      <p:nvGrpSpPr>
+        <p:cNvPr id="1" name=""/>
+        <p:cNvGrpSpPr/>
+        <p:nvPr/>
+      </p:nvGrpSpPr>
+      <p:grpSpPr>
+        <a:xfrm>
+          <a:off x="0" y="0"/>
+          <a:ext cx="0" cy="0"/>
+          <a:chOff x="0" y="0"/>
+          <a:chExt cx="0" cy="0"/>
+        </a:xfrm>
+      </p:grpSpPr>
+      <p:sp useBgFill="1">
+        <p:nvSpPr>
+          <p:cNvPr id="9" name="Rectangle 8">
+            <a:extLst>
+              <a:ext uri="{FF2B5EF4-FFF2-40B4-BE49-F238E27FC236}">
+                <a16:creationId xmlns:a16="http://schemas.microsoft.com/office/drawing/2014/main" id="{F63C748C-967B-4A7B-A90F-3EDD0F485AC6}"/>
+              </a:ext>
+              <a:ext uri="{C183D7F6-B498-43B3-948B-1728B52AA6E4}">
+                <adec:decorative xmlns:adec="http://schemas.microsoft.com/office/drawing/2017/decorative" val="1"/>
+              </a:ext>
+            </a:extLst>
+          </p:cNvPr>
+          <p:cNvSpPr>
+            <a:spLocks noGrp="1" noRot="1" noChangeAspect="1" noMove="1" noResize="1" noEditPoints="1" noAdjustHandles="1" noChangeArrowheads="1" noChangeShapeType="1" noTextEdit="1"/>
+          </p:cNvSpPr>
+          <p:nvPr>
+            <p:extLst>
+              <p:ext uri="{386F3935-93C4-4BCD-93E2-E3B085C9AB24}">
+                <p16:designElem xmlns:p16="http://schemas.microsoft.com/office/powerpoint/2015/main" val="1"/>
+              </p:ext>
+            </p:extLst>
+          </p:nvPr>
+        </p:nvSpPr>
+        <p:spPr>
+          <a:xfrm>
+            <a:off x="303" y="0"/>
+            <a:ext cx="12191695" cy="6858000"/>
+          </a:xfrm>
+          <a:prstGeom prst="rect">
+            <a:avLst/>
+          </a:prstGeom>
+          <a:ln>
+            <a:noFill/>
+          </a:ln>
+        </p:spPr>
+        <p:style>
+          <a:lnRef idx="2">
+            <a:schemeClr val="accent1">
+              <a:shade val="50000"/>
+            </a:schemeClr>
+          </a:lnRef>
+          <a:fillRef idx="1">
+            <a:schemeClr val="accent1"/>
+          </a:fillRef>
+          <a:effectRef idx="0">
+            <a:schemeClr val="accent1"/>
+          </a:effectRef>
+          <a:fontRef idx="minor">
+            <a:schemeClr val="lt1"/>
+          </a:fontRef>
+        </p:style>
+        <p:txBody>
+          <a:bodyPr rtlCol="0" anchor="ctr"/>
+          <a:lstStyle/>
+          <a:p>
+            <a:pPr algn="ctr"/>
+            <a:endParaRPr lang="en-US"/>
+          </a:p>
+        </p:txBody>
+      </p:sp>
+      <p:sp>
+        <p:nvSpPr>
+          <p:cNvPr id="11" name="Rectangle 10">
+            <a:extLst>
+              <a:ext uri="{FF2B5EF4-FFF2-40B4-BE49-F238E27FC236}">
+                <a16:creationId xmlns:a16="http://schemas.microsoft.com/office/drawing/2014/main" id="{C0143637-4934-44E4-B909-BAF1E7B27972}"/>
+              </a:ext>
+              <a:ext uri="{C183D7F6-B498-43B3-948B-1728B52AA6E4}">
+                <adec:decorative xmlns:adec="http://schemas.microsoft.com/office/drawing/2017/decorative" val="1"/>
+              </a:ext>
+            </a:extLst>
+          </p:cNvPr>
+          <p:cNvSpPr>
+            <a:spLocks noGrp="1" noRot="1" noChangeAspect="1" noMove="1" noResize="1" noEditPoints="1" noAdjustHandles="1" noChangeArrowheads="1" noChangeShapeType="1" noTextEdit="1"/>
+          </p:cNvSpPr>
+          <p:nvPr>
+            <p:extLst>
+              <p:ext uri="{386F3935-93C4-4BCD-93E2-E3B085C9AB24}">
+                <p16:designElem xmlns:p16="http://schemas.microsoft.com/office/powerpoint/2015/main" val="1"/>
+              </p:ext>
+            </p:extLst>
+          </p:nvPr>
+        </p:nvSpPr>
+        <p:spPr>
+          <a:xfrm>
+            <a:off x="0" y="-2"/>
+            <a:ext cx="4062127" cy="6858002"/>
+          </a:xfrm>
+          <a:prstGeom prst="rect">
+            <a:avLst/>
+          </a:prstGeom>
+          <a:ln>
+            <a:noFill/>
+          </a:ln>
+        </p:spPr>
+        <p:style>
+          <a:lnRef idx="2">
+            <a:schemeClr val="accent1">
+              <a:shade val="50000"/>
+            </a:schemeClr>
+          </a:lnRef>
+          <a:fillRef idx="1">
+            <a:schemeClr val="accent1"/>
+          </a:fillRef>
+          <a:effectRef idx="0">
+            <a:schemeClr val="accent1"/>
+          </a:effectRef>
+          <a:fontRef idx="minor">
+            <a:schemeClr val="lt1"/>
+          </a:fontRef>
+        </p:style>
+        <p:txBody>
+          <a:bodyPr rtlCol="0" anchor="ctr"/>
+          <a:lstStyle/>
+          <a:p>
+            <a:pPr algn="ctr"/>
+            <a:endParaRPr lang="en-US"/>
+          </a:p>
+        </p:txBody>
+      </p:sp>
+      <p:sp>
+        <p:nvSpPr>
+          <p:cNvPr id="2" name="Title 1"/>
+          <p:cNvSpPr>
+            <a:spLocks noGrp="1"/>
+          </p:cNvSpPr>
+          <p:nvPr>
+            <p:ph type="title"/>
+          </p:nvPr>
+        </p:nvSpPr>
+        <p:spPr>
+          <a:xfrm>
+            <a:off x="849683" y="1240076"/>
+            <a:ext cx="2727813" cy="4584527"/>
+          </a:xfrm>
+        </p:spPr>
+        <p:txBody>
+          <a:bodyPr>
+            <a:normAutofit/>
+          </a:bodyPr>
+          <a:lstStyle/>
+          <a:p>
+            <a:r>
+              <a:rPr lang="en-US">
+                <a:solidFill>
+                  <a:srgbClr val="FFFFFF"/>
+                </a:solidFill>
+              </a:rPr>
+              <a:t>Works cited</a:t>
+            </a:r>
+          </a:p>
+        </p:txBody>
+      </p:sp>
+      <p:sp>
+        <p:nvSpPr>
+          <p:cNvPr id="3" name="Content Placeholder 2"/>
+          <p:cNvSpPr>
+            <a:spLocks noGrp="1"/>
+          </p:cNvSpPr>
+          <p:nvPr>
+            <p:ph type="body" idx="1"/>
+          </p:nvPr>
+        </p:nvSpPr>
+        <p:spPr>
+          <a:xfrm>
+            <a:off x="4705594" y="1240077"/>
+            <a:ext cx="6034827" cy="4916465"/>
+          </a:xfrm>
+        </p:spPr>
+        <p:txBody>
+          <a:bodyPr anchor="t">
+            <a:normAutofit/>
+          </a:bodyPr>
+          <a:lstStyle/>
+          <a:p>
+            <a:endParaRPr/>
+          </a:p>
+        </p:txBody>
+      </p:sp>
+    </p:spTree>
+    <p:extLst>
+      <p:ext uri="{BB962C8B-B14F-4D97-AF65-F5344CB8AC3E}">
+        <p14:creationId xmlns:p14="http://schemas.microsoft.com/office/powerpoint/2010/main" val="4104643404"/>
+      </p:ext>
+    </p:extLst>
+  </p:cSld>
+  <p:clrMapOvr>
+    <a:masterClrMapping/>
+  </p:clrMapOvr>
+</p:sld>
+</file>
+
 <file path=ppt/slides/slide2.xml><?xml version="1.0" encoding="utf-8"?>
 <p:sld xmlns:a="http://schemas.openxmlformats.org/drawingml/2006/main" xmlns:r="http://schemas.openxmlformats.org/officeDocument/2006/relationships" xmlns:p="http://schemas.openxmlformats.org/presentationml/2006/main">
   <p:cSld>
@@ -5340,7 +6203,7 @@
             </a:pPr>
             <a:r>
               <a:rPr lang="en-US" dirty="0"/>
-              <a:t> In this presentation, I’ll provide the top 3 factors leading to Attrition;  Trends I observed in the data; and a regression model on the Monthly Income. </a:t>
+              <a:t> In this presentation, I’ll provide the top 3 factors that leads to Attrition;  Trends I observed in the data; and a regression model on the Monthly Income. </a:t>
             </a:r>
             <a:endParaRPr dirty="0"/>
           </a:p>
@@ -5870,13 +6733,13 @@
           <p:nvPr>
             <p:extLst>
               <p:ext uri="{D42A27DB-BD31-4B8C-83A1-F6EECF244321}">
-                <p14:modId xmlns:p14="http://schemas.microsoft.com/office/powerpoint/2010/main" val="2579143535"/>
+                <p14:modId xmlns:p14="http://schemas.microsoft.com/office/powerpoint/2010/main" val="3804210779"/>
               </p:ext>
             </p:extLst>
           </p:nvPr>
         </p:nvGraphicFramePr>
         <p:xfrm>
-          <a:off x="5038927" y="2211241"/>
+          <a:off x="5057628" y="2575034"/>
           <a:ext cx="5330758" cy="1543635"/>
         </p:xfrm>
         <a:graphic>
@@ -6053,6 +6916,36 @@
           </a:graphicData>
         </a:graphic>
       </p:graphicFrame>
+      <p:pic>
+        <p:nvPicPr>
+          <p:cNvPr id="4" name="Picture 3">
+            <a:extLst>
+              <a:ext uri="{FF2B5EF4-FFF2-40B4-BE49-F238E27FC236}">
+                <a16:creationId xmlns:a16="http://schemas.microsoft.com/office/drawing/2014/main" id="{2C4F1EFB-54B1-4971-AF72-C8DFB15695D7}"/>
+              </a:ext>
+            </a:extLst>
+          </p:cNvPr>
+          <p:cNvPicPr>
+            <a:picLocks noChangeAspect="1"/>
+          </p:cNvPicPr>
+          <p:nvPr/>
+        </p:nvPicPr>
+        <p:blipFill>
+          <a:blip r:embed="rId3"/>
+          <a:stretch>
+            <a:fillRect/>
+          </a:stretch>
+        </p:blipFill>
+        <p:spPr>
+          <a:xfrm>
+            <a:off x="6462723" y="3903489"/>
+            <a:ext cx="2207428" cy="2603782"/>
+          </a:xfrm>
+          <a:prstGeom prst="rect">
+            <a:avLst/>
+          </a:prstGeom>
+        </p:spPr>
+      </p:pic>
     </p:spTree>
     <p:extLst>
       <p:ext uri="{BB962C8B-B14F-4D97-AF65-F5344CB8AC3E}">
@@ -6313,7 +7206,7 @@
     </p:spTree>
     <p:extLst>
       <p:ext uri="{BB962C8B-B14F-4D97-AF65-F5344CB8AC3E}">
-        <p14:creationId xmlns:p14="http://schemas.microsoft.com/office/powerpoint/2010/main" val="3309763459"/>
+        <p14:creationId xmlns:p14="http://schemas.microsoft.com/office/powerpoint/2010/main" val="1827478780"/>
       </p:ext>
     </p:extLst>
   </p:cSld>
@@ -6512,7 +7405,7 @@
                   <a:srgbClr val="FFFFFF"/>
                 </a:solidFill>
               </a:rPr>
-              <a:t>Data Trends</a:t>
+              <a:t>Overtime</a:t>
             </a:r>
           </a:p>
         </p:txBody>
@@ -6541,16 +7434,45 @@
           <a:p>
             <a:r>
               <a:rPr lang="en-US" dirty="0"/>
-              <a:t>Overtime is high within the following departments: Research and Development, and Sales.  Research Scientist and Sales Executives were the Job Roles that had the highest Overtime.</a:t>
-            </a:r>
-            <a:endParaRPr dirty="0"/>
-          </a:p>
-        </p:txBody>
-      </p:sp>
+              <a:t>57% of persons who voluntary left the company were working overtime. </a:t>
+            </a:r>
+          </a:p>
+        </p:txBody>
+      </p:sp>
+      <p:pic>
+        <p:nvPicPr>
+          <p:cNvPr id="8" name="Picture 7">
+            <a:extLst>
+              <a:ext uri="{FF2B5EF4-FFF2-40B4-BE49-F238E27FC236}">
+                <a16:creationId xmlns:a16="http://schemas.microsoft.com/office/drawing/2014/main" id="{C146E2B0-9499-4B5F-B644-1A6A720DD69E}"/>
+              </a:ext>
+            </a:extLst>
+          </p:cNvPr>
+          <p:cNvPicPr>
+            <a:picLocks noChangeAspect="1"/>
+          </p:cNvPicPr>
+          <p:nvPr/>
+        </p:nvPicPr>
+        <p:blipFill>
+          <a:blip r:embed="rId3"/>
+          <a:stretch>
+            <a:fillRect/>
+          </a:stretch>
+        </p:blipFill>
+        <p:spPr>
+          <a:xfrm>
+            <a:off x="4207430" y="2612571"/>
+            <a:ext cx="6984947" cy="3758502"/>
+          </a:xfrm>
+          <a:prstGeom prst="rect">
+            <a:avLst/>
+          </a:prstGeom>
+        </p:spPr>
+      </p:pic>
     </p:spTree>
     <p:extLst>
       <p:ext uri="{BB962C8B-B14F-4D97-AF65-F5344CB8AC3E}">
-        <p14:creationId xmlns:p14="http://schemas.microsoft.com/office/powerpoint/2010/main" val="1891357672"/>
+        <p14:creationId xmlns:p14="http://schemas.microsoft.com/office/powerpoint/2010/main" val="3309763459"/>
       </p:ext>
     </p:extLst>
   </p:cSld>
@@ -6749,7 +7671,7 @@
                   <a:srgbClr val="FFFFFF"/>
                 </a:solidFill>
               </a:rPr>
-              <a:t>Data TRENDS</a:t>
+              <a:t>Data Trends</a:t>
             </a:r>
           </a:p>
         </p:txBody>
@@ -6778,16 +7700,46 @@
           <a:p>
             <a:r>
               <a:rPr lang="en-US" dirty="0"/>
-              <a:t>People who are in their role for a long period of time tend to stay with the company – why do they stay? Who are these people?</a:t>
+              <a:t>Overtime is high within the following departments: Research and Development, and Sales.  Research Scientist and Sales Executives were the Job Roles that had the highest Overtime.</a:t>
             </a:r>
             <a:endParaRPr dirty="0"/>
           </a:p>
         </p:txBody>
       </p:sp>
+      <p:pic>
+        <p:nvPicPr>
+          <p:cNvPr id="7" name="Picture 6" descr="Chart, bar chart&#10;&#10;Description automatically generated">
+            <a:extLst>
+              <a:ext uri="{FF2B5EF4-FFF2-40B4-BE49-F238E27FC236}">
+                <a16:creationId xmlns:a16="http://schemas.microsoft.com/office/drawing/2014/main" id="{4FFA6149-0F62-41E0-B80B-D4C51989F0B4}"/>
+              </a:ext>
+            </a:extLst>
+          </p:cNvPr>
+          <p:cNvPicPr>
+            <a:picLocks noChangeAspect="1"/>
+          </p:cNvPicPr>
+          <p:nvPr/>
+        </p:nvPicPr>
+        <p:blipFill>
+          <a:blip r:embed="rId2"/>
+          <a:stretch>
+            <a:fillRect/>
+          </a:stretch>
+        </p:blipFill>
+        <p:spPr>
+          <a:xfrm>
+            <a:off x="4541264" y="2773936"/>
+            <a:ext cx="7146152" cy="3845245"/>
+          </a:xfrm>
+          <a:prstGeom prst="rect">
+            <a:avLst/>
+          </a:prstGeom>
+        </p:spPr>
+      </p:pic>
     </p:spTree>
     <p:extLst>
       <p:ext uri="{BB962C8B-B14F-4D97-AF65-F5344CB8AC3E}">
-        <p14:creationId xmlns:p14="http://schemas.microsoft.com/office/powerpoint/2010/main" val="592845961"/>
+        <p14:creationId xmlns:p14="http://schemas.microsoft.com/office/powerpoint/2010/main" val="1891357672"/>
       </p:ext>
     </p:extLst>
   </p:cSld>
@@ -6981,12 +7933,12 @@
           <a:lstStyle/>
           <a:p>
             <a:r>
-              <a:rPr lang="en-US">
+              <a:rPr lang="en-US" dirty="0">
                 <a:solidFill>
                   <a:srgbClr val="FFFFFF"/>
                 </a:solidFill>
               </a:rPr>
-              <a:t>Works cited</a:t>
+              <a:t>Data TRENDS</a:t>
             </a:r>
           </a:p>
         </p:txBody>
@@ -6998,7 +7950,7 @@
             <a:spLocks noGrp="1"/>
           </p:cNvSpPr>
           <p:nvPr>
-            <p:ph type="body" idx="1"/>
+            <p:ph idx="1"/>
           </p:nvPr>
         </p:nvSpPr>
         <p:spPr>
@@ -7013,14 +7965,18 @@
           </a:bodyPr>
           <a:lstStyle/>
           <a:p>
-            <a:endParaRPr/>
+            <a:r>
+              <a:rPr lang="en-US" dirty="0"/>
+              <a:t>People who are in their role for a long period of time tend to stay with the company – why do they stay? Who are these people?</a:t>
+            </a:r>
+            <a:endParaRPr dirty="0"/>
           </a:p>
         </p:txBody>
       </p:sp>
     </p:spTree>
     <p:extLst>
       <p:ext uri="{BB962C8B-B14F-4D97-AF65-F5344CB8AC3E}">
-        <p14:creationId xmlns:p14="http://schemas.microsoft.com/office/powerpoint/2010/main" val="485010810"/>
+        <p14:creationId xmlns:p14="http://schemas.microsoft.com/office/powerpoint/2010/main" val="592845961"/>
       </p:ext>
     </p:extLst>
   </p:cSld>
